--- a/JS Advanced - 2019.09.16/00_Course Introduction/JS-Advanced-Course-Introduction.pptx
+++ b/JS Advanced - 2019.09.16/00_Course Introduction/JS-Advanced-Course-Introduction.pptx
@@ -5,17 +5,17 @@
     <p:sldMasterId id="2147483675" r:id="rId1"/>
   </p:sldMasterIdLst>
   <p:notesMasterIdLst>
-    <p:notesMasterId r:id="rId24"/>
+    <p:notesMasterId r:id="rId25"/>
   </p:notesMasterIdLst>
   <p:handoutMasterIdLst>
-    <p:handoutMasterId r:id="rId25"/>
+    <p:handoutMasterId r:id="rId26"/>
   </p:handoutMasterIdLst>
   <p:sldIdLst>
     <p:sldId id="274" r:id="rId2"/>
     <p:sldId id="276" r:id="rId3"/>
     <p:sldId id="492" r:id="rId4"/>
-    <p:sldId id="581" r:id="rId5"/>
-    <p:sldId id="582" r:id="rId6"/>
+    <p:sldId id="615" r:id="rId5"/>
+    <p:sldId id="616" r:id="rId6"/>
     <p:sldId id="553" r:id="rId7"/>
     <p:sldId id="554" r:id="rId8"/>
     <p:sldId id="580" r:id="rId9"/>
@@ -28,11 +28,12 @@
     <p:sldId id="550" r:id="rId16"/>
     <p:sldId id="564" r:id="rId17"/>
     <p:sldId id="614" r:id="rId18"/>
-    <p:sldId id="556" r:id="rId19"/>
-    <p:sldId id="260" r:id="rId20"/>
-    <p:sldId id="565" r:id="rId21"/>
-    <p:sldId id="568" r:id="rId22"/>
-    <p:sldId id="569" r:id="rId23"/>
+    <p:sldId id="260" r:id="rId19"/>
+    <p:sldId id="556" r:id="rId20"/>
+    <p:sldId id="558" r:id="rId21"/>
+    <p:sldId id="565" r:id="rId22"/>
+    <p:sldId id="568" r:id="rId23"/>
+    <p:sldId id="569" r:id="rId24"/>
   </p:sldIdLst>
   <p:sldSz cx="12192000" cy="6858000"/>
   <p:notesSz cx="6858000" cy="9144000"/>
@@ -143,8 +144,8 @@
         </p14:section>
         <p14:section name="Partners" id="{EE245814-E715-48FB-9FE2-931751F41FFB}">
           <p14:sldIdLst>
-            <p14:sldId id="581"/>
-            <p14:sldId id="582"/>
+            <p14:sldId id="615"/>
+            <p14:sldId id="616"/>
           </p14:sldIdLst>
         </p14:section>
         <p14:section name="Introduction" id="{EDF3B302-6465-4AB1-A993-0C0284C32F67}">
@@ -169,12 +170,13 @@
             <p14:sldId id="550"/>
             <p14:sldId id="564"/>
             <p14:sldId id="614"/>
+            <p14:sldId id="260"/>
           </p14:sldIdLst>
         </p14:section>
         <p14:section name="Course Organization" id="{B6E7FD6B-8761-4564-B300-22B43696AF79}">
           <p14:sldIdLst>
             <p14:sldId id="556"/>
-            <p14:sldId id="260"/>
+            <p14:sldId id="558"/>
           </p14:sldIdLst>
         </p14:section>
         <p14:section name="Conclusion" id="{10E03AB1-9AA8-4E86-9A64-D741901E50A2}">
@@ -301,7 +303,7 @@
           <a:p>
             <a:fld id="{4E087215-0C8F-4762-A664-737A353EC9A4}" type="datetimeFigureOut">
               <a:rPr lang="bg-BG" smtClean="0"/>
-              <a:t>16.9.2019 г.</a:t>
+              <a:t>18.9.2019 г.</a:t>
             </a:fld>
             <a:endParaRPr lang="bg-BG"/>
           </a:p>
@@ -478,7 +480,7 @@
           <a:p>
             <a:fld id="{72D84649-876A-46C9-8472-14CB09C070D8}" type="datetimeFigureOut">
               <a:rPr lang="en-US" smtClean="0"/>
-              <a:t>9/16/2019</a:t>
+              <a:t>18-Sep-19</a:t>
             </a:fld>
             <a:endParaRPr lang="en-US" dirty="0"/>
           </a:p>
@@ -1202,7 +1204,7 @@
     </p:spTree>
     <p:extLst>
       <p:ext uri="{BB962C8B-B14F-4D97-AF65-F5344CB8AC3E}">
-        <p14:creationId xmlns:p14="http://schemas.microsoft.com/office/powerpoint/2010/main" val="2187444530"/>
+        <p14:creationId xmlns:p14="http://schemas.microsoft.com/office/powerpoint/2010/main" val="909913743"/>
       </p:ext>
     </p:extLst>
   </p:cSld>
@@ -1265,7 +1267,7 @@
     </p:spTree>
     <p:extLst>
       <p:ext uri="{BB962C8B-B14F-4D97-AF65-F5344CB8AC3E}">
-        <p14:creationId xmlns:p14="http://schemas.microsoft.com/office/powerpoint/2010/main" val="3736973869"/>
+        <p14:creationId xmlns:p14="http://schemas.microsoft.com/office/powerpoint/2010/main" val="3130933425"/>
       </p:ext>
     </p:extLst>
   </p:cSld>
@@ -1504,7 +1506,7 @@
                 </a:solidFill>
               </a:rPr>
               <a:pPr/>
-              <a:t>20</a:t>
+              <a:t>21</a:t>
             </a:fld>
             <a:endParaRPr lang="en-US" dirty="0">
               <a:solidFill>
@@ -1672,7 +1674,7 @@
                 </a:solidFill>
               </a:rPr>
               <a:pPr/>
-              <a:t>21</a:t>
+              <a:t>22</a:t>
             </a:fld>
             <a:endParaRPr lang="en-US" dirty="0">
               <a:solidFill>
@@ -1810,7 +1812,7 @@
             <a:fld id="{3EBA5BD7-F043-4D1B-AA17-CD412FC534DE}" type="slidenum">
               <a:rPr lang="en-US" smtClean="0"/>
               <a:pPr/>
-              <a:t>22</a:t>
+              <a:t>23</a:t>
             </a:fld>
             <a:endParaRPr lang="en-US" dirty="0"/>
           </a:p>
@@ -3200,7 +3202,7 @@
             <a:fld id="{055373AC-9AA7-423B-BA00-BA1C74164DBD}" type="datetime1">
               <a:rPr lang="en-US" smtClean="0"/>
               <a:pPr/>
-              <a:t>9/16/2019</a:t>
+              <a:t>18-Sep-19</a:t>
             </a:fld>
             <a:endParaRPr lang="en-US" dirty="0"/>
           </a:p>
@@ -3678,7 +3680,7 @@
             <a:fld id="{055373AC-9AA7-423B-BA00-BA1C74164DBD}" type="datetime1">
               <a:rPr lang="en-US" smtClean="0"/>
               <a:pPr/>
-              <a:t>9/16/2019</a:t>
+              <a:t>18-Sep-19</a:t>
             </a:fld>
             <a:endParaRPr lang="en-US" dirty="0"/>
           </a:p>
@@ -5036,7 +5038,7 @@
             <a:fld id="{055373AC-9AA7-423B-BA00-BA1C74164DBD}" type="datetime1">
               <a:rPr lang="en-US" smtClean="0"/>
               <a:pPr/>
-              <a:t>9/16/2019</a:t>
+              <a:t>18-Sep-19</a:t>
             </a:fld>
             <a:endParaRPr lang="en-US" dirty="0"/>
           </a:p>
@@ -6856,7 +6858,7 @@
             <a:fld id="{055373AC-9AA7-423B-BA00-BA1C74164DBD}" type="datetime1">
               <a:rPr lang="en-US" smtClean="0"/>
               <a:pPr/>
-              <a:t>9/16/2019</a:t>
+              <a:t>18-Sep-19</a:t>
             </a:fld>
             <a:endParaRPr lang="en-US" dirty="0"/>
           </a:p>
@@ -7293,7 +7295,7 @@
             <a:fld id="{055373AC-9AA7-423B-BA00-BA1C74164DBD}" type="datetime1">
               <a:rPr lang="en-US" smtClean="0"/>
               <a:pPr/>
-              <a:t>9/16/2019</a:t>
+              <a:t>18-Sep-19</a:t>
             </a:fld>
             <a:endParaRPr lang="en-US" dirty="0"/>
           </a:p>
@@ -8007,7 +8009,7 @@
             <a:fld id="{055373AC-9AA7-423B-BA00-BA1C74164DBD}" type="datetime1">
               <a:rPr lang="en-US" smtClean="0"/>
               <a:pPr/>
-              <a:t>9/16/2019</a:t>
+              <a:t>18-Sep-19</a:t>
             </a:fld>
             <a:endParaRPr lang="en-US" dirty="0"/>
           </a:p>
@@ -8418,7 +8420,7 @@
             <a:fld id="{055373AC-9AA7-423B-BA00-BA1C74164DBD}" type="datetime1">
               <a:rPr lang="en-US" smtClean="0"/>
               <a:pPr/>
-              <a:t>9/16/2019</a:t>
+              <a:t>18-Sep-19</a:t>
             </a:fld>
             <a:endParaRPr lang="en-US" dirty="0"/>
           </a:p>
@@ -8787,7 +8789,7 @@
             <a:fld id="{055373AC-9AA7-423B-BA00-BA1C74164DBD}" type="datetime1">
               <a:rPr lang="en-US" smtClean="0"/>
               <a:pPr/>
-              <a:t>9/16/2019</a:t>
+              <a:t>18-Sep-19</a:t>
             </a:fld>
             <a:endParaRPr lang="en-US" dirty="0"/>
           </a:p>
@@ -9455,7 +9457,7 @@
             <a:fld id="{055373AC-9AA7-423B-BA00-BA1C74164DBD}" type="datetime1">
               <a:rPr lang="en-US" smtClean="0"/>
               <a:pPr/>
-              <a:t>9/16/2019</a:t>
+              <a:t>18-Sep-19</a:t>
             </a:fld>
             <a:endParaRPr lang="en-US" dirty="0"/>
           </a:p>
@@ -9916,7 +9918,7 @@
             <a:fld id="{055373AC-9AA7-423B-BA00-BA1C74164DBD}" type="datetime1">
               <a:rPr lang="en-US" smtClean="0"/>
               <a:pPr/>
-              <a:t>9/16/2019</a:t>
+              <a:t>18-Sep-19</a:t>
             </a:fld>
             <a:endParaRPr lang="en-US" dirty="0"/>
           </a:p>
@@ -10100,7 +10102,7 @@
             <a:fld id="{055373AC-9AA7-423B-BA00-BA1C74164DBD}" type="datetime1">
               <a:rPr lang="en-US" smtClean="0"/>
               <a:pPr/>
-              <a:t>9/16/2019</a:t>
+              <a:t>18-Sep-19</a:t>
             </a:fld>
             <a:endParaRPr lang="en-US" dirty="0"/>
           </a:p>
@@ -12694,39 +12696,60 @@
           <a:p>
             <a:r>
               <a:rPr lang="en-US" dirty="0"/>
-              <a:t>Experience in JavaScript, HTML, </a:t>
+              <a:t>Experience in </a:t>
+            </a:r>
+            <a:r>
+              <a:rPr lang="en-US" dirty="0" smtClean="0"/>
+              <a:t>JavaScript, </a:t>
+            </a:r>
+            <a:r>
+              <a:rPr lang="en-US" dirty="0"/>
+              <a:t>HTML, </a:t>
+            </a:r>
+            <a:r>
+              <a:rPr lang="en-US" dirty="0" smtClean="0"/>
+              <a:t/>
+            </a:r>
+            <a:br>
+              <a:rPr lang="en-US" dirty="0" smtClean="0"/>
+            </a:br>
+            <a:r>
+              <a:rPr lang="en-US" dirty="0" smtClean="0"/>
+              <a:t>CSS</a:t>
+            </a:r>
+            <a:r>
+              <a:rPr lang="en-US" dirty="0"/>
+              <a:t>, JAVA</a:t>
+            </a:r>
+          </a:p>
+          <a:p>
+            <a:r>
+              <a:rPr lang="en-US" dirty="0"/>
+              <a:t>Team Lead @ </a:t>
+            </a:r>
+            <a:r>
+              <a:rPr lang="en-US" dirty="0" err="1"/>
+              <a:t>SoftUni</a:t>
+            </a:r>
+            <a:endParaRPr lang="en-US" dirty="0"/>
+          </a:p>
+          <a:p>
+            <a:r>
+              <a:rPr lang="en-US" dirty="0"/>
+              <a:t>Currently studying Architecture</a:t>
             </a:r>
             <a:br>
               <a:rPr lang="en-US" dirty="0"/>
             </a:br>
             <a:r>
               <a:rPr lang="en-US" dirty="0"/>
-              <a:t>CSS, JAVA</a:t>
-            </a:r>
-          </a:p>
-          <a:p>
-            <a:r>
-              <a:rPr lang="en-US" dirty="0"/>
-              <a:t>Team Lead @ </a:t>
-            </a:r>
-            <a:r>
-              <a:rPr lang="en-US" dirty="0" err="1"/>
-              <a:t>SoftUni</a:t>
+              <a:t>in </a:t>
+            </a:r>
+            <a:r>
+              <a:rPr lang="en-US" dirty="0" smtClean="0"/>
+              <a:t>UACG</a:t>
             </a:r>
             <a:endParaRPr lang="en-US" dirty="0"/>
-          </a:p>
-          <a:p>
-            <a:r>
-              <a:rPr lang="en-US" dirty="0"/>
-              <a:t>Currently studying Architecture</a:t>
-            </a:r>
-            <a:br>
-              <a:rPr lang="en-US" dirty="0"/>
-            </a:br>
-            <a:r>
-              <a:rPr lang="en-US" dirty="0"/>
-              <a:t>in UACG</a:t>
-            </a:r>
           </a:p>
           <a:p>
             <a:r>
@@ -14362,132 +14385,6 @@
       </p:grpSpPr>
       <p:sp>
         <p:nvSpPr>
-          <p:cNvPr id="5" name="Text Placeholder 4"/>
-          <p:cNvSpPr>
-            <a:spLocks noGrp="1"/>
-          </p:cNvSpPr>
-          <p:nvPr>
-            <p:ph type="body" sz="quarter" idx="10"/>
-          </p:nvPr>
-        </p:nvSpPr>
-        <p:spPr/>
-        <p:txBody>
-          <a:bodyPr/>
-          <a:lstStyle/>
-          <a:p>
-            <a:r>
-              <a:rPr lang="en-US" dirty="0"/>
-              <a:t>Course Organization</a:t>
-            </a:r>
-            <a:endParaRPr lang="bg-BG" dirty="0"/>
-          </a:p>
-        </p:txBody>
-      </p:sp>
-      <p:sp>
-        <p:nvSpPr>
-          <p:cNvPr id="4" name="Slide Number Placeholder 3"/>
-          <p:cNvSpPr>
-            <a:spLocks noGrp="1"/>
-          </p:cNvSpPr>
-          <p:nvPr>
-            <p:ph type="sldNum" sz="quarter" idx="4294967295"/>
-          </p:nvPr>
-        </p:nvSpPr>
-        <p:spPr>
-          <a:xfrm>
-            <a:off x="11761789" y="6397626"/>
-            <a:ext cx="428625" cy="307975"/>
-          </a:xfrm>
-        </p:spPr>
-        <p:txBody>
-          <a:bodyPr/>
-          <a:lstStyle/>
-          <a:p>
-            <a:fld id="{C014DD1E-5D91-48A3-AD6D-45FBA980D106}" type="slidenum">
-              <a:rPr lang="en-US" smtClean="0"/>
-              <a:pPr/>
-              <a:t>18</a:t>
-            </a:fld>
-            <a:endParaRPr lang="en-US" dirty="0"/>
-          </a:p>
-        </p:txBody>
-      </p:sp>
-      <p:pic>
-        <p:nvPicPr>
-          <p:cNvPr id="6" name="Picture 5">
-            <a:extLst>
-              <a:ext uri="{FF2B5EF4-FFF2-40B4-BE49-F238E27FC236}">
-                <a16:creationId xmlns:a16="http://schemas.microsoft.com/office/drawing/2014/main" id="{DB80F613-082E-4A22-B33C-B2A16F037121}"/>
-              </a:ext>
-            </a:extLst>
-          </p:cNvPr>
-          <p:cNvPicPr>
-            <a:picLocks noChangeAspect="1"/>
-          </p:cNvPicPr>
-          <p:nvPr/>
-        </p:nvPicPr>
-        <p:blipFill>
-          <a:blip r:embed="rId2">
-            <a:extLst>
-              <a:ext uri="{28A0092B-C50C-407E-A947-70E740481C1C}">
-                <a14:useLocalDpi xmlns:a14="http://schemas.microsoft.com/office/drawing/2010/main" val="0"/>
-              </a:ext>
-            </a:extLst>
-          </a:blip>
-          <a:stretch>
-            <a:fillRect/>
-          </a:stretch>
-        </p:blipFill>
-        <p:spPr>
-          <a:xfrm>
-            <a:off x="4892672" y="1494318"/>
-            <a:ext cx="2406656" cy="2406656"/>
-          </a:xfrm>
-          <a:prstGeom prst="rect">
-            <a:avLst/>
-          </a:prstGeom>
-        </p:spPr>
-      </p:pic>
-    </p:spTree>
-    <p:extLst>
-      <p:ext uri="{BB962C8B-B14F-4D97-AF65-F5344CB8AC3E}">
-        <p14:creationId xmlns:p14="http://schemas.microsoft.com/office/powerpoint/2010/main" val="2967780091"/>
-      </p:ext>
-    </p:extLst>
-  </p:cSld>
-  <p:clrMapOvr>
-    <a:masterClrMapping/>
-  </p:clrMapOvr>
-  <mc:AlternateContent xmlns:mc="http://schemas.openxmlformats.org/markup-compatibility/2006" xmlns:p14="http://schemas.microsoft.com/office/powerpoint/2010/main">
-    <mc:Choice Requires="p14">
-      <p:transition spd="slow" p14:dur="2000" advClick="0" advTm="5000"/>
-    </mc:Choice>
-    <mc:Fallback xmlns="">
-      <p:transition spd="slow" advClick="0" advTm="5000"/>
-    </mc:Fallback>
-  </mc:AlternateContent>
-</p:sld>
-</file>
-
-<file path=ppt/slides/slide19.xml><?xml version="1.0" encoding="utf-8"?>
-<p:sld xmlns:a="http://schemas.openxmlformats.org/drawingml/2006/main" xmlns:r="http://schemas.openxmlformats.org/officeDocument/2006/relationships" xmlns:p="http://schemas.openxmlformats.org/presentationml/2006/main">
-  <p:cSld>
-    <p:spTree>
-      <p:nvGrpSpPr>
-        <p:cNvPr id="1" name=""/>
-        <p:cNvGrpSpPr/>
-        <p:nvPr/>
-      </p:nvGrpSpPr>
-      <p:grpSpPr>
-        <a:xfrm>
-          <a:off x="0" y="0"/>
-          <a:ext cx="0" cy="0"/>
-          <a:chOff x="0" y="0"/>
-          <a:chExt cx="0" cy="0"/>
-        </a:xfrm>
-      </p:grpSpPr>
-      <p:sp>
-        <p:nvSpPr>
           <p:cNvPr id="4" name="Title 3"/>
           <p:cNvSpPr>
             <a:spLocks noGrp="1"/>
@@ -15451,6 +15348,132 @@
     <p:extLst>
       <p:ext uri="{BB962C8B-B14F-4D97-AF65-F5344CB8AC3E}">
         <p14:creationId xmlns:p14="http://schemas.microsoft.com/office/powerpoint/2010/main" val="1260958372"/>
+      </p:ext>
+    </p:extLst>
+  </p:cSld>
+  <p:clrMapOvr>
+    <a:masterClrMapping/>
+  </p:clrMapOvr>
+  <mc:AlternateContent xmlns:mc="http://schemas.openxmlformats.org/markup-compatibility/2006" xmlns:p14="http://schemas.microsoft.com/office/powerpoint/2010/main">
+    <mc:Choice Requires="p14">
+      <p:transition spd="slow" p14:dur="2000" advClick="0" advTm="5000"/>
+    </mc:Choice>
+    <mc:Fallback xmlns="">
+      <p:transition spd="slow" advClick="0" advTm="5000"/>
+    </mc:Fallback>
+  </mc:AlternateContent>
+</p:sld>
+</file>
+
+<file path=ppt/slides/slide19.xml><?xml version="1.0" encoding="utf-8"?>
+<p:sld xmlns:a="http://schemas.openxmlformats.org/drawingml/2006/main" xmlns:r="http://schemas.openxmlformats.org/officeDocument/2006/relationships" xmlns:p="http://schemas.openxmlformats.org/presentationml/2006/main">
+  <p:cSld>
+    <p:spTree>
+      <p:nvGrpSpPr>
+        <p:cNvPr id="1" name=""/>
+        <p:cNvGrpSpPr/>
+        <p:nvPr/>
+      </p:nvGrpSpPr>
+      <p:grpSpPr>
+        <a:xfrm>
+          <a:off x="0" y="0"/>
+          <a:ext cx="0" cy="0"/>
+          <a:chOff x="0" y="0"/>
+          <a:chExt cx="0" cy="0"/>
+        </a:xfrm>
+      </p:grpSpPr>
+      <p:sp>
+        <p:nvSpPr>
+          <p:cNvPr id="5" name="Text Placeholder 4"/>
+          <p:cNvSpPr>
+            <a:spLocks noGrp="1"/>
+          </p:cNvSpPr>
+          <p:nvPr>
+            <p:ph type="body" sz="quarter" idx="10"/>
+          </p:nvPr>
+        </p:nvSpPr>
+        <p:spPr/>
+        <p:txBody>
+          <a:bodyPr/>
+          <a:lstStyle/>
+          <a:p>
+            <a:r>
+              <a:rPr lang="en-US" dirty="0"/>
+              <a:t>Course Organization</a:t>
+            </a:r>
+            <a:endParaRPr lang="bg-BG" dirty="0"/>
+          </a:p>
+        </p:txBody>
+      </p:sp>
+      <p:sp>
+        <p:nvSpPr>
+          <p:cNvPr id="4" name="Slide Number Placeholder 3"/>
+          <p:cNvSpPr>
+            <a:spLocks noGrp="1"/>
+          </p:cNvSpPr>
+          <p:nvPr>
+            <p:ph type="sldNum" sz="quarter" idx="4294967295"/>
+          </p:nvPr>
+        </p:nvSpPr>
+        <p:spPr>
+          <a:xfrm>
+            <a:off x="11761789" y="6397626"/>
+            <a:ext cx="428625" cy="307975"/>
+          </a:xfrm>
+        </p:spPr>
+        <p:txBody>
+          <a:bodyPr/>
+          <a:lstStyle/>
+          <a:p>
+            <a:fld id="{C014DD1E-5D91-48A3-AD6D-45FBA980D106}" type="slidenum">
+              <a:rPr lang="en-US" smtClean="0"/>
+              <a:pPr/>
+              <a:t>19</a:t>
+            </a:fld>
+            <a:endParaRPr lang="en-US" dirty="0"/>
+          </a:p>
+        </p:txBody>
+      </p:sp>
+      <p:pic>
+        <p:nvPicPr>
+          <p:cNvPr id="6" name="Picture 5">
+            <a:extLst>
+              <a:ext uri="{FF2B5EF4-FFF2-40B4-BE49-F238E27FC236}">
+                <a16:creationId xmlns:a16="http://schemas.microsoft.com/office/drawing/2014/main" id="{DB80F613-082E-4A22-B33C-B2A16F037121}"/>
+              </a:ext>
+            </a:extLst>
+          </p:cNvPr>
+          <p:cNvPicPr>
+            <a:picLocks noChangeAspect="1"/>
+          </p:cNvPicPr>
+          <p:nvPr/>
+        </p:nvPicPr>
+        <p:blipFill>
+          <a:blip r:embed="rId2">
+            <a:extLst>
+              <a:ext uri="{28A0092B-C50C-407E-A947-70E740481C1C}">
+                <a14:useLocalDpi xmlns:a14="http://schemas.microsoft.com/office/drawing/2010/main" val="0"/>
+              </a:ext>
+            </a:extLst>
+          </a:blip>
+          <a:stretch>
+            <a:fillRect/>
+          </a:stretch>
+        </p:blipFill>
+        <p:spPr>
+          <a:xfrm>
+            <a:off x="4892672" y="1494318"/>
+            <a:ext cx="2406656" cy="2406656"/>
+          </a:xfrm>
+          <a:prstGeom prst="rect">
+            <a:avLst/>
+          </a:prstGeom>
+        </p:spPr>
+      </p:pic>
+    </p:spTree>
+    <p:extLst>
+      <p:ext uri="{BB962C8B-B14F-4D97-AF65-F5344CB8AC3E}">
+        <p14:creationId xmlns:p14="http://schemas.microsoft.com/office/powerpoint/2010/main" val="2967780091"/>
       </p:ext>
     </p:extLst>
   </p:cSld>
@@ -15829,50 +15852,340 @@
       </p:grpSpPr>
       <p:sp>
         <p:nvSpPr>
-          <p:cNvPr id="3" name="Text Placeholder 2"/>
+          <p:cNvPr id="11" name="Text Placeholder 10"/>
           <p:cNvSpPr>
             <a:spLocks noGrp="1"/>
           </p:cNvSpPr>
           <p:nvPr>
-            <p:ph type="body" sz="quarter" idx="4294967295"/>
+            <p:ph type="body" sz="quarter" idx="10"/>
           </p:nvPr>
         </p:nvSpPr>
         <p:spPr>
           <a:xfrm>
-            <a:off x="0" y="6400800"/>
-            <a:ext cx="12117368" cy="363538"/>
+            <a:off x="190402" y="1436913"/>
+            <a:ext cx="11818096" cy="4960277"/>
           </a:xfrm>
         </p:spPr>
         <p:txBody>
           <a:bodyPr>
-            <a:normAutofit fontScale="62500" lnSpcReduction="20000"/>
+            <a:normAutofit/>
           </a:bodyPr>
           <a:lstStyle/>
           <a:p>
-            <a:pPr marL="0" indent="0" algn="ctr">
+            <a:pPr marL="0" indent="0">
+              <a:buClr>
+                <a:schemeClr val="tx1"/>
+              </a:buClr>
               <a:buNone/>
             </a:pPr>
             <a:r>
-              <a:rPr lang="en-US" dirty="0">
+              <a:rPr lang="en-US" sz="3700" b="1" dirty="0">
                 <a:solidFill>
                   <a:schemeClr val="bg1"/>
                 </a:solidFill>
-                <a:hlinkClick r:id="rId3"/>
               </a:rPr>
-              <a:t>https://softuni.bg/courses/js-advanced</a:t>
-            </a:r>
-            <a:endParaRPr lang="en-US" dirty="0">
+              <a:t>Mandatory</a:t>
+            </a:r>
+            <a:endParaRPr lang="en-US" sz="3700" dirty="0">
               <a:solidFill>
-                <a:schemeClr val="bg1"/>
+                <a:schemeClr val="tx2">
+                  <a:lumMod val="75000"/>
+                </a:schemeClr>
               </a:solidFill>
             </a:endParaRPr>
           </a:p>
+          <a:p>
+            <a:pPr lvl="1"/>
+            <a:r>
+              <a:rPr lang="en-US" sz="3700" b="1" dirty="0">
+                <a:solidFill>
+                  <a:schemeClr val="tx2">
+                    <a:lumMod val="75000"/>
+                  </a:schemeClr>
+                </a:solidFill>
+              </a:rPr>
+              <a:t>Practical exam </a:t>
+            </a:r>
+            <a:r>
+              <a:rPr lang="en-US" sz="3700" dirty="0">
+                <a:solidFill>
+                  <a:schemeClr val="tx2">
+                    <a:lumMod val="75000"/>
+                  </a:schemeClr>
+                </a:solidFill>
+              </a:rPr>
+              <a:t>- 90%</a:t>
+            </a:r>
+          </a:p>
+          <a:p>
+            <a:pPr lvl="1"/>
+            <a:r>
+              <a:rPr lang="en-US" sz="3700" b="1" dirty="0">
+                <a:solidFill>
+                  <a:schemeClr val="tx2">
+                    <a:lumMod val="75000"/>
+                  </a:schemeClr>
+                </a:solidFill>
+              </a:rPr>
+              <a:t>Theoretical</a:t>
+            </a:r>
+            <a:r>
+              <a:rPr lang="en-US" sz="3700" dirty="0">
+                <a:solidFill>
+                  <a:schemeClr val="tx2">
+                    <a:lumMod val="75000"/>
+                  </a:schemeClr>
+                </a:solidFill>
+              </a:rPr>
+              <a:t> </a:t>
+            </a:r>
+            <a:r>
+              <a:rPr lang="en-US" sz="3700" b="1" dirty="0">
+                <a:solidFill>
+                  <a:schemeClr val="tx2">
+                    <a:lumMod val="75000"/>
+                  </a:schemeClr>
+                </a:solidFill>
+              </a:rPr>
+              <a:t>exam </a:t>
+            </a:r>
+            <a:r>
+              <a:rPr lang="en-US" sz="3700" dirty="0">
+                <a:solidFill>
+                  <a:schemeClr val="tx2">
+                    <a:lumMod val="75000"/>
+                  </a:schemeClr>
+                </a:solidFill>
+              </a:rPr>
+              <a:t>- 5%</a:t>
+            </a:r>
+          </a:p>
+          <a:p>
+            <a:pPr lvl="1"/>
+            <a:r>
+              <a:rPr lang="en-US" sz="3700" b="1" dirty="0">
+                <a:solidFill>
+                  <a:schemeClr val="tx2">
+                    <a:lumMod val="75000"/>
+                  </a:schemeClr>
+                </a:solidFill>
+              </a:rPr>
+              <a:t>Exercises/Homework </a:t>
+            </a:r>
+            <a:r>
+              <a:rPr lang="en-US" sz="3700" dirty="0">
+                <a:solidFill>
+                  <a:schemeClr val="tx2">
+                    <a:lumMod val="75000"/>
+                  </a:schemeClr>
+                </a:solidFill>
+              </a:rPr>
+              <a:t>- 5%</a:t>
+            </a:r>
+          </a:p>
+          <a:p>
+            <a:pPr>
+              <a:spcBef>
+                <a:spcPts val="1200"/>
+              </a:spcBef>
+            </a:pPr>
+            <a:r>
+              <a:rPr lang="en-US" dirty="0"/>
+              <a:t>Bonuses:</a:t>
+            </a:r>
+          </a:p>
+          <a:p>
+            <a:pPr lvl="1"/>
+            <a:r>
+              <a:rPr lang="en-US" dirty="0"/>
+              <a:t>Presence in class – 5% bonus</a:t>
+            </a:r>
+            <a:br>
+              <a:rPr lang="en-US" dirty="0"/>
+            </a:br>
+            <a:r>
+              <a:rPr lang="en-US" dirty="0"/>
+              <a:t>(onsite students only)</a:t>
+            </a:r>
+            <a:endParaRPr lang="bg-BG" dirty="0">
+              <a:solidFill>
+                <a:srgbClr val="FF0000"/>
+              </a:solidFill>
+            </a:endParaRPr>
+          </a:p>
+          <a:p>
+            <a:pPr lvl="1"/>
+            <a:endParaRPr lang="en-US" sz="3700" dirty="0">
+              <a:solidFill>
+                <a:schemeClr val="tx2">
+                  <a:lumMod val="75000"/>
+                </a:schemeClr>
+              </a:solidFill>
+            </a:endParaRPr>
+          </a:p>
         </p:txBody>
       </p:sp>
+      <p:sp>
+        <p:nvSpPr>
+          <p:cNvPr id="12" name="Title 11"/>
+          <p:cNvSpPr>
+            <a:spLocks noGrp="1"/>
+          </p:cNvSpPr>
+          <p:nvPr>
+            <p:ph type="title"/>
+          </p:nvPr>
+        </p:nvSpPr>
+        <p:spPr/>
+        <p:txBody>
+          <a:bodyPr>
+            <a:normAutofit/>
+          </a:bodyPr>
+          <a:lstStyle/>
+          <a:p>
+            <a:r>
+              <a:rPr lang="en-US" dirty="0"/>
+              <a:t>Evaluation Criteria</a:t>
+            </a:r>
+            <a:endParaRPr lang="bg-BG" dirty="0"/>
+          </a:p>
+        </p:txBody>
+      </p:sp>
+      <p:sp>
+        <p:nvSpPr>
+          <p:cNvPr id="4" name="Slide Number Placeholder 3"/>
+          <p:cNvSpPr>
+            <a:spLocks noGrp="1"/>
+          </p:cNvSpPr>
+          <p:nvPr>
+            <p:ph type="sldNum" sz="quarter" idx="13"/>
+          </p:nvPr>
+        </p:nvSpPr>
+        <p:spPr/>
+        <p:txBody>
+          <a:bodyPr/>
+          <a:lstStyle/>
+          <a:p>
+            <a:fld id="{C014DD1E-5D91-48A3-AD6D-45FBA980D106}" type="slidenum">
+              <a:rPr lang="en-US" smtClean="0"/>
+              <a:pPr/>
+              <a:t>20</a:t>
+            </a:fld>
+            <a:endParaRPr lang="en-US" dirty="0"/>
+          </a:p>
+        </p:txBody>
+      </p:sp>
+      <p:sp>
+        <p:nvSpPr>
+          <p:cNvPr id="2" name="AutoShape 2" descr="pavelkolev avatar"/>
+          <p:cNvSpPr>
+            <a:spLocks noChangeAspect="1" noChangeArrowheads="1"/>
+          </p:cNvSpPr>
+          <p:nvPr/>
+        </p:nvSpPr>
+        <p:spPr bwMode="auto">
+          <a:xfrm>
+            <a:off x="155575" y="-144463"/>
+            <a:ext cx="304800" cy="304801"/>
+          </a:xfrm>
+          <a:prstGeom prst="rect">
+            <a:avLst/>
+          </a:prstGeom>
+          <a:noFill/>
+          <a:extLst>
+            <a:ext uri="{909E8E84-426E-40DD-AFC4-6F175D3DCCD1}">
+              <a14:hiddenFill xmlns:a14="http://schemas.microsoft.com/office/drawing/2010/main">
+                <a:solidFill>
+                  <a:srgbClr val="FFFFFF"/>
+                </a:solidFill>
+              </a14:hiddenFill>
+            </a:ext>
+          </a:extLst>
+        </p:spPr>
+        <p:txBody>
+          <a:bodyPr vert="horz" wrap="square" lIns="91440" tIns="45720" rIns="91440" bIns="45720" numCol="1" anchor="t" anchorCtr="0" compatLnSpc="1">
+            <a:prstTxWarp prst="textNoShape">
+              <a:avLst/>
+            </a:prstTxWarp>
+          </a:bodyPr>
+          <a:lstStyle/>
+          <a:p>
+            <a:endParaRPr lang="bg-BG"/>
+          </a:p>
+        </p:txBody>
+      </p:sp>
+      <p:sp>
+        <p:nvSpPr>
+          <p:cNvPr id="3" name="AutoShape 4" descr="ÐÑÐ¾ÑÐ¸Ð»Ð½Ð° ÑÐ½Ð¸Ð¼ÐºÐ°"/>
+          <p:cNvSpPr>
+            <a:spLocks noChangeAspect="1" noChangeArrowheads="1"/>
+          </p:cNvSpPr>
+          <p:nvPr/>
+        </p:nvSpPr>
+        <p:spPr bwMode="auto">
+          <a:xfrm>
+            <a:off x="307975" y="7937"/>
+            <a:ext cx="304800" cy="304801"/>
+          </a:xfrm>
+          <a:prstGeom prst="rect">
+            <a:avLst/>
+          </a:prstGeom>
+          <a:noFill/>
+          <a:extLst>
+            <a:ext uri="{909E8E84-426E-40DD-AFC4-6F175D3DCCD1}">
+              <a14:hiddenFill xmlns:a14="http://schemas.microsoft.com/office/drawing/2010/main">
+                <a:solidFill>
+                  <a:srgbClr val="FFFFFF"/>
+                </a:solidFill>
+              </a14:hiddenFill>
+            </a:ext>
+          </a:extLst>
+        </p:spPr>
+        <p:txBody>
+          <a:bodyPr vert="horz" wrap="square" lIns="91440" tIns="45720" rIns="91440" bIns="45720" numCol="1" anchor="t" anchorCtr="0" compatLnSpc="1">
+            <a:prstTxWarp prst="textNoShape">
+              <a:avLst/>
+            </a:prstTxWarp>
+          </a:bodyPr>
+          <a:lstStyle/>
+          <a:p>
+            <a:endParaRPr lang="bg-BG"/>
+          </a:p>
+        </p:txBody>
+      </p:sp>
+      <p:pic>
+        <p:nvPicPr>
+          <p:cNvPr id="6" name="Picture 5"/>
+          <p:cNvPicPr>
+            <a:picLocks noChangeAspect="1"/>
+          </p:cNvPicPr>
+          <p:nvPr/>
+        </p:nvPicPr>
+        <p:blipFill>
+          <a:blip r:embed="rId2" cstate="print">
+            <a:extLst>
+              <a:ext uri="{28A0092B-C50C-407E-A947-70E740481C1C}">
+                <a14:useLocalDpi xmlns:a14="http://schemas.microsoft.com/office/drawing/2010/main" val="0"/>
+              </a:ext>
+            </a:extLst>
+          </a:blip>
+          <a:stretch>
+            <a:fillRect/>
+          </a:stretch>
+        </p:blipFill>
+        <p:spPr>
+          <a:xfrm>
+            <a:off x="7809483" y="2018759"/>
+            <a:ext cx="3773938" cy="4378434"/>
+          </a:xfrm>
+          <a:prstGeom prst="rect">
+            <a:avLst/>
+          </a:prstGeom>
+        </p:spPr>
+      </p:pic>
     </p:spTree>
     <p:extLst>
       <p:ext uri="{BB962C8B-B14F-4D97-AF65-F5344CB8AC3E}">
-        <p14:creationId xmlns:p14="http://schemas.microsoft.com/office/powerpoint/2010/main" val="277220642"/>
+        <p14:creationId xmlns:p14="http://schemas.microsoft.com/office/powerpoint/2010/main" val="3989970716"/>
       </p:ext>
     </p:extLst>
   </p:cSld>
@@ -15909,350 +16222,50 @@
       </p:grpSpPr>
       <p:sp>
         <p:nvSpPr>
-          <p:cNvPr id="4" name="Content Placeholder 3"/>
+          <p:cNvPr id="3" name="Text Placeholder 2"/>
           <p:cNvSpPr>
             <a:spLocks noGrp="1"/>
           </p:cNvSpPr>
           <p:nvPr>
-            <p:ph type="body" sz="quarter" idx="10"/>
+            <p:ph type="body" sz="quarter" idx="4294967295"/>
           </p:nvPr>
         </p:nvSpPr>
-        <p:spPr/>
+        <p:spPr>
+          <a:xfrm>
+            <a:off x="0" y="6400800"/>
+            <a:ext cx="12117368" cy="363538"/>
+          </a:xfrm>
+        </p:spPr>
         <p:txBody>
           <a:bodyPr>
-            <a:noAutofit/>
+            <a:normAutofit fontScale="62500" lnSpcReduction="20000"/>
           </a:bodyPr>
           <a:lstStyle/>
           <a:p>
-            <a:pPr>
-              <a:lnSpc>
-                <a:spcPct val="100000"/>
-              </a:lnSpc>
+            <a:pPr marL="0" indent="0" algn="ctr">
+              <a:buNone/>
             </a:pPr>
             <a:r>
-              <a:rPr lang="en-US" sz="3199" dirty="0"/>
-              <a:t>Software University – High-Quality Education and </a:t>
-            </a:r>
-            <a:br>
-              <a:rPr lang="en-US" sz="3199" dirty="0"/>
-            </a:br>
-            <a:r>
-              <a:rPr lang="en-US" sz="3199" dirty="0"/>
-              <a:t>Employment Opportunities </a:t>
-            </a:r>
-          </a:p>
-          <a:p>
-            <a:pPr lvl="1">
-              <a:lnSpc>
-                <a:spcPct val="100000"/>
-              </a:lnSpc>
-            </a:pPr>
-            <a:r>
-              <a:rPr lang="en-US" sz="2899" noProof="1">
+              <a:rPr lang="en-US" dirty="0">
+                <a:solidFill>
+                  <a:schemeClr val="bg1"/>
+                </a:solidFill>
                 <a:hlinkClick r:id="rId3"/>
               </a:rPr>
-              <a:t>softuni.bg</a:t>
-            </a:r>
-            <a:r>
-              <a:rPr lang="en-US" sz="2899" noProof="1"/>
-              <a:t> </a:t>
-            </a:r>
-          </a:p>
-          <a:p>
-            <a:pPr>
-              <a:lnSpc>
-                <a:spcPct val="100000"/>
-              </a:lnSpc>
-            </a:pPr>
-            <a:r>
-              <a:rPr lang="en-US" sz="3199" dirty="0"/>
-              <a:t>Software University Foundation</a:t>
-            </a:r>
-            <a:endParaRPr lang="bg-BG" sz="3199" dirty="0"/>
-          </a:p>
-          <a:p>
-            <a:pPr lvl="1">
-              <a:lnSpc>
-                <a:spcPct val="100000"/>
-              </a:lnSpc>
-            </a:pPr>
-            <a:r>
-              <a:rPr lang="en-US" sz="2999" noProof="1">
-                <a:hlinkClick r:id="rId4"/>
-              </a:rPr>
-              <a:t>http://softuni.foundation/</a:t>
-            </a:r>
-            <a:endParaRPr lang="en-US" sz="2999" noProof="1"/>
-          </a:p>
-          <a:p>
-            <a:pPr>
-              <a:lnSpc>
-                <a:spcPct val="100000"/>
-              </a:lnSpc>
-            </a:pPr>
-            <a:r>
-              <a:rPr lang="en-US" sz="3199" dirty="0"/>
-              <a:t>Software University @ Facebook</a:t>
-            </a:r>
-          </a:p>
-          <a:p>
-            <a:pPr marL="990278" lvl="1" indent="-380876" defTabSz="1218804">
-              <a:lnSpc>
-                <a:spcPct val="100000"/>
-              </a:lnSpc>
-              <a:tabLst>
-                <a:tab pos="282490" algn="l"/>
-              </a:tabLst>
-              <a:defRPr/>
-            </a:pPr>
-            <a:r>
-              <a:rPr lang="en-US" sz="2899" noProof="1">
-                <a:solidFill>
-                  <a:srgbClr val="234465"/>
-                </a:solidFill>
-                <a:hlinkClick r:id="rId5"/>
-              </a:rPr>
-              <a:t>facebook.com/SoftwareUniversity</a:t>
-            </a:r>
-            <a:endParaRPr lang="en-US" sz="2899" noProof="1">
+              <a:t>https://softuni.bg/courses/js-advanced</a:t>
+            </a:r>
+            <a:endParaRPr lang="en-US" dirty="0">
               <a:solidFill>
-                <a:srgbClr val="234465"/>
+                <a:schemeClr val="bg1"/>
               </a:solidFill>
             </a:endParaRPr>
           </a:p>
-          <a:p>
-            <a:pPr>
-              <a:lnSpc>
-                <a:spcPct val="100000"/>
-              </a:lnSpc>
-            </a:pPr>
-            <a:r>
-              <a:rPr lang="en-US" sz="3199" dirty="0"/>
-              <a:t>Software University Forums</a:t>
-            </a:r>
-          </a:p>
-          <a:p>
-            <a:pPr marL="990278" lvl="1" indent="-380876" defTabSz="1218804">
-              <a:lnSpc>
-                <a:spcPct val="100000"/>
-              </a:lnSpc>
-              <a:tabLst>
-                <a:tab pos="282490" algn="l"/>
-              </a:tabLst>
-              <a:defRPr/>
-            </a:pPr>
-            <a:r>
-              <a:rPr lang="en-US" sz="2799" dirty="0">
-                <a:hlinkClick r:id="rId6"/>
-              </a:rPr>
-              <a:t>forum.softuni.bg</a:t>
-            </a:r>
-            <a:endParaRPr lang="en-US" sz="2799" noProof="1"/>
-          </a:p>
-          <a:p>
-            <a:pPr>
-              <a:lnSpc>
-                <a:spcPct val="100000"/>
-              </a:lnSpc>
-            </a:pPr>
-            <a:endParaRPr lang="en-US" noProof="1"/>
-          </a:p>
         </p:txBody>
       </p:sp>
-      <p:sp>
-        <p:nvSpPr>
-          <p:cNvPr id="3" name="Title 2"/>
-          <p:cNvSpPr>
-            <a:spLocks noGrp="1"/>
-          </p:cNvSpPr>
-          <p:nvPr>
-            <p:ph type="title"/>
-          </p:nvPr>
-        </p:nvSpPr>
-        <p:spPr/>
-        <p:txBody>
-          <a:bodyPr>
-            <a:normAutofit/>
-          </a:bodyPr>
-          <a:lstStyle/>
-          <a:p>
-            <a:r>
-              <a:rPr lang="en-US" dirty="0"/>
-              <a:t>Trainings @ Software University</a:t>
-            </a:r>
-            <a:r>
-              <a:rPr lang="bg-BG" dirty="0"/>
-              <a:t> (</a:t>
-            </a:r>
-            <a:r>
-              <a:rPr lang="en-US" dirty="0"/>
-              <a:t>SoftUni)</a:t>
-            </a:r>
-          </a:p>
-        </p:txBody>
-      </p:sp>
-      <p:pic>
-        <p:nvPicPr>
-          <p:cNvPr id="15" name="Picture 14">
-            <a:hlinkClick r:id="rId7"/>
-            <a:extLst>
-              <a:ext uri="{FF2B5EF4-FFF2-40B4-BE49-F238E27FC236}">
-                <a16:creationId xmlns:a16="http://schemas.microsoft.com/office/drawing/2014/main" id="{FF8B5863-FC71-441D-893C-E681B70BF35C}"/>
-              </a:ext>
-            </a:extLst>
-          </p:cNvPr>
-          <p:cNvPicPr>
-            <a:picLocks noChangeAspect="1"/>
-          </p:cNvPicPr>
-          <p:nvPr/>
-        </p:nvPicPr>
-        <p:blipFill>
-          <a:blip r:embed="rId8" cstate="print">
-            <a:extLst>
-              <a:ext uri="{28A0092B-C50C-407E-A947-70E740481C1C}">
-                <a14:useLocalDpi xmlns:a14="http://schemas.microsoft.com/office/drawing/2010/main" val="0"/>
-              </a:ext>
-            </a:extLst>
-          </a:blip>
-          <a:stretch>
-            <a:fillRect/>
-          </a:stretch>
-        </p:blipFill>
-        <p:spPr>
-          <a:xfrm>
-            <a:off x="6934418" y="2538113"/>
-            <a:ext cx="2123136" cy="529411"/>
-          </a:xfrm>
-          <a:prstGeom prst="rect">
-            <a:avLst/>
-          </a:prstGeom>
-        </p:spPr>
-      </p:pic>
-      <p:pic>
-        <p:nvPicPr>
-          <p:cNvPr id="18" name="Picture 17">
-            <a:hlinkClick r:id="rId3"/>
-            <a:extLst>
-              <a:ext uri="{FF2B5EF4-FFF2-40B4-BE49-F238E27FC236}">
-                <a16:creationId xmlns:a16="http://schemas.microsoft.com/office/drawing/2014/main" id="{5AC70220-7037-4082-BB2D-BF1E99F91E0D}"/>
-              </a:ext>
-            </a:extLst>
-          </p:cNvPr>
-          <p:cNvPicPr>
-            <a:picLocks noChangeAspect="1"/>
-          </p:cNvPicPr>
-          <p:nvPr/>
-        </p:nvPicPr>
-        <p:blipFill>
-          <a:blip r:embed="rId9" cstate="print">
-            <a:extLst>
-              <a:ext uri="{28A0092B-C50C-407E-A947-70E740481C1C}">
-                <a14:useLocalDpi xmlns:a14="http://schemas.microsoft.com/office/drawing/2010/main" val="0"/>
-              </a:ext>
-            </a:extLst>
-          </a:blip>
-          <a:stretch>
-            <a:fillRect/>
-          </a:stretch>
-        </p:blipFill>
-        <p:spPr>
-          <a:xfrm>
-            <a:off x="8623386" y="2057401"/>
-            <a:ext cx="3367743" cy="4482957"/>
-          </a:xfrm>
-          <a:prstGeom prst="rect">
-            <a:avLst/>
-          </a:prstGeom>
-        </p:spPr>
-      </p:pic>
-      <p:pic>
-        <p:nvPicPr>
-          <p:cNvPr id="11" name="Picture 4">
-            <a:hlinkClick r:id="rId10" tooltip="Software University @ Facebook"/>
-            <a:extLst>
-              <a:ext uri="{FF2B5EF4-FFF2-40B4-BE49-F238E27FC236}">
-                <a16:creationId xmlns:a16="http://schemas.microsoft.com/office/drawing/2014/main" id="{7DE74804-3B64-4B79-BDD0-3E400F9EC1FD}"/>
-              </a:ext>
-            </a:extLst>
-          </p:cNvPr>
-          <p:cNvPicPr>
-            <a:picLocks noChangeAspect="1" noChangeArrowheads="1"/>
-          </p:cNvPicPr>
-          <p:nvPr/>
-        </p:nvPicPr>
-        <p:blipFill>
-          <a:blip r:embed="rId11" cstate="print">
-            <a:extLst>
-              <a:ext uri="{28A0092B-C50C-407E-A947-70E740481C1C}">
-                <a14:useLocalDpi xmlns:a14="http://schemas.microsoft.com/office/drawing/2010/main" val="0"/>
-              </a:ext>
-            </a:extLst>
-          </a:blip>
-          <a:stretch>
-            <a:fillRect/>
-          </a:stretch>
-        </p:blipFill>
-        <p:spPr bwMode="auto">
-          <a:xfrm>
-            <a:off x="6934419" y="3654372"/>
-            <a:ext cx="1118740" cy="1118449"/>
-          </a:xfrm>
-          <a:prstGeom prst="rect">
-            <a:avLst/>
-          </a:prstGeom>
-          <a:noFill/>
-          <a:extLst>
-            <a:ext uri="{909E8E84-426E-40DD-AFC4-6F175D3DCCD1}">
-              <a14:hiddenFill xmlns:a14="http://schemas.microsoft.com/office/drawing/2010/main">
-                <a:solidFill>
-                  <a:srgbClr val="FFFFFF"/>
-                </a:solidFill>
-              </a14:hiddenFill>
-            </a:ext>
-          </a:extLst>
-        </p:spPr>
-      </p:pic>
-      <p:pic>
-        <p:nvPicPr>
-          <p:cNvPr id="13" name="Picture 12">
-            <a:hlinkClick r:id="rId6" tooltip="Software University Discussion Forum"/>
-            <a:extLst>
-              <a:ext uri="{FF2B5EF4-FFF2-40B4-BE49-F238E27FC236}">
-                <a16:creationId xmlns:a16="http://schemas.microsoft.com/office/drawing/2014/main" id="{E65F0011-8B8E-4A02-A422-9662ADE13CB5}"/>
-              </a:ext>
-            </a:extLst>
-          </p:cNvPr>
-          <p:cNvPicPr>
-            <a:picLocks noChangeAspect="1"/>
-          </p:cNvPicPr>
-          <p:nvPr/>
-        </p:nvPicPr>
-        <p:blipFill>
-          <a:blip r:embed="rId12" cstate="print">
-            <a:extLst>
-              <a:ext uri="{28A0092B-C50C-407E-A947-70E740481C1C}">
-                <a14:useLocalDpi xmlns:a14="http://schemas.microsoft.com/office/drawing/2010/main" val="0"/>
-              </a:ext>
-            </a:extLst>
-          </a:blip>
-          <a:stretch>
-            <a:fillRect/>
-          </a:stretch>
-        </p:blipFill>
-        <p:spPr>
-          <a:xfrm>
-            <a:off x="6934418" y="5359668"/>
-            <a:ext cx="1042233" cy="1041962"/>
-          </a:xfrm>
-          <a:prstGeom prst="rect">
-            <a:avLst/>
-          </a:prstGeom>
-        </p:spPr>
-      </p:pic>
     </p:spTree>
     <p:extLst>
       <p:ext uri="{BB962C8B-B14F-4D97-AF65-F5344CB8AC3E}">
-        <p14:creationId xmlns:p14="http://schemas.microsoft.com/office/powerpoint/2010/main" val="3466978267"/>
+        <p14:creationId xmlns:p14="http://schemas.microsoft.com/office/powerpoint/2010/main" val="277220642"/>
       </p:ext>
     </p:extLst>
   </p:cSld>
@@ -16289,6 +16302,386 @@
       </p:grpSpPr>
       <p:sp>
         <p:nvSpPr>
+          <p:cNvPr id="4" name="Content Placeholder 3"/>
+          <p:cNvSpPr>
+            <a:spLocks noGrp="1"/>
+          </p:cNvSpPr>
+          <p:nvPr>
+            <p:ph type="body" sz="quarter" idx="10"/>
+          </p:nvPr>
+        </p:nvSpPr>
+        <p:spPr/>
+        <p:txBody>
+          <a:bodyPr>
+            <a:noAutofit/>
+          </a:bodyPr>
+          <a:lstStyle/>
+          <a:p>
+            <a:pPr>
+              <a:lnSpc>
+                <a:spcPct val="100000"/>
+              </a:lnSpc>
+            </a:pPr>
+            <a:r>
+              <a:rPr lang="en-US" sz="3199" dirty="0"/>
+              <a:t>Software University – High-Quality Education and </a:t>
+            </a:r>
+            <a:br>
+              <a:rPr lang="en-US" sz="3199" dirty="0"/>
+            </a:br>
+            <a:r>
+              <a:rPr lang="en-US" sz="3199" dirty="0"/>
+              <a:t>Employment Opportunities </a:t>
+            </a:r>
+          </a:p>
+          <a:p>
+            <a:pPr lvl="1">
+              <a:lnSpc>
+                <a:spcPct val="100000"/>
+              </a:lnSpc>
+            </a:pPr>
+            <a:r>
+              <a:rPr lang="en-US" sz="2899" noProof="1">
+                <a:hlinkClick r:id="rId3"/>
+              </a:rPr>
+              <a:t>softuni.bg</a:t>
+            </a:r>
+            <a:r>
+              <a:rPr lang="en-US" sz="2899" noProof="1"/>
+              <a:t> </a:t>
+            </a:r>
+          </a:p>
+          <a:p>
+            <a:pPr>
+              <a:lnSpc>
+                <a:spcPct val="100000"/>
+              </a:lnSpc>
+            </a:pPr>
+            <a:r>
+              <a:rPr lang="en-US" sz="3199" dirty="0"/>
+              <a:t>Software University Foundation</a:t>
+            </a:r>
+            <a:endParaRPr lang="bg-BG" sz="3199" dirty="0"/>
+          </a:p>
+          <a:p>
+            <a:pPr lvl="1">
+              <a:lnSpc>
+                <a:spcPct val="100000"/>
+              </a:lnSpc>
+            </a:pPr>
+            <a:r>
+              <a:rPr lang="en-US" sz="2999" noProof="1">
+                <a:hlinkClick r:id="rId4"/>
+              </a:rPr>
+              <a:t>http://softuni.foundation/</a:t>
+            </a:r>
+            <a:endParaRPr lang="en-US" sz="2999" noProof="1"/>
+          </a:p>
+          <a:p>
+            <a:pPr>
+              <a:lnSpc>
+                <a:spcPct val="100000"/>
+              </a:lnSpc>
+            </a:pPr>
+            <a:r>
+              <a:rPr lang="en-US" sz="3199" dirty="0"/>
+              <a:t>Software University @ Facebook</a:t>
+            </a:r>
+          </a:p>
+          <a:p>
+            <a:pPr marL="990278" lvl="1" indent="-380876" defTabSz="1218804">
+              <a:lnSpc>
+                <a:spcPct val="100000"/>
+              </a:lnSpc>
+              <a:tabLst>
+                <a:tab pos="282490" algn="l"/>
+              </a:tabLst>
+              <a:defRPr/>
+            </a:pPr>
+            <a:r>
+              <a:rPr lang="en-US" sz="2899" noProof="1">
+                <a:solidFill>
+                  <a:srgbClr val="234465"/>
+                </a:solidFill>
+                <a:hlinkClick r:id="rId5"/>
+              </a:rPr>
+              <a:t>facebook.com/SoftwareUniversity</a:t>
+            </a:r>
+            <a:endParaRPr lang="en-US" sz="2899" noProof="1">
+              <a:solidFill>
+                <a:srgbClr val="234465"/>
+              </a:solidFill>
+            </a:endParaRPr>
+          </a:p>
+          <a:p>
+            <a:pPr>
+              <a:lnSpc>
+                <a:spcPct val="100000"/>
+              </a:lnSpc>
+            </a:pPr>
+            <a:r>
+              <a:rPr lang="en-US" sz="3199" dirty="0"/>
+              <a:t>Software University Forums</a:t>
+            </a:r>
+          </a:p>
+          <a:p>
+            <a:pPr marL="990278" lvl="1" indent="-380876" defTabSz="1218804">
+              <a:lnSpc>
+                <a:spcPct val="100000"/>
+              </a:lnSpc>
+              <a:tabLst>
+                <a:tab pos="282490" algn="l"/>
+              </a:tabLst>
+              <a:defRPr/>
+            </a:pPr>
+            <a:r>
+              <a:rPr lang="en-US" sz="2799" dirty="0">
+                <a:hlinkClick r:id="rId6"/>
+              </a:rPr>
+              <a:t>forum.softuni.bg</a:t>
+            </a:r>
+            <a:endParaRPr lang="en-US" sz="2799" noProof="1"/>
+          </a:p>
+          <a:p>
+            <a:pPr>
+              <a:lnSpc>
+                <a:spcPct val="100000"/>
+              </a:lnSpc>
+            </a:pPr>
+            <a:endParaRPr lang="en-US" noProof="1"/>
+          </a:p>
+        </p:txBody>
+      </p:sp>
+      <p:sp>
+        <p:nvSpPr>
+          <p:cNvPr id="3" name="Title 2"/>
+          <p:cNvSpPr>
+            <a:spLocks noGrp="1"/>
+          </p:cNvSpPr>
+          <p:nvPr>
+            <p:ph type="title"/>
+          </p:nvPr>
+        </p:nvSpPr>
+        <p:spPr/>
+        <p:txBody>
+          <a:bodyPr>
+            <a:normAutofit/>
+          </a:bodyPr>
+          <a:lstStyle/>
+          <a:p>
+            <a:r>
+              <a:rPr lang="en-US" dirty="0"/>
+              <a:t>Trainings @ Software University</a:t>
+            </a:r>
+            <a:r>
+              <a:rPr lang="bg-BG" dirty="0"/>
+              <a:t> (</a:t>
+            </a:r>
+            <a:r>
+              <a:rPr lang="en-US" dirty="0"/>
+              <a:t>SoftUni)</a:t>
+            </a:r>
+          </a:p>
+        </p:txBody>
+      </p:sp>
+      <p:pic>
+        <p:nvPicPr>
+          <p:cNvPr id="15" name="Picture 14">
+            <a:hlinkClick r:id="rId7"/>
+            <a:extLst>
+              <a:ext uri="{FF2B5EF4-FFF2-40B4-BE49-F238E27FC236}">
+                <a16:creationId xmlns:a16="http://schemas.microsoft.com/office/drawing/2014/main" id="{FF8B5863-FC71-441D-893C-E681B70BF35C}"/>
+              </a:ext>
+            </a:extLst>
+          </p:cNvPr>
+          <p:cNvPicPr>
+            <a:picLocks noChangeAspect="1"/>
+          </p:cNvPicPr>
+          <p:nvPr/>
+        </p:nvPicPr>
+        <p:blipFill>
+          <a:blip r:embed="rId8" cstate="print">
+            <a:extLst>
+              <a:ext uri="{28A0092B-C50C-407E-A947-70E740481C1C}">
+                <a14:useLocalDpi xmlns:a14="http://schemas.microsoft.com/office/drawing/2010/main" val="0"/>
+              </a:ext>
+            </a:extLst>
+          </a:blip>
+          <a:stretch>
+            <a:fillRect/>
+          </a:stretch>
+        </p:blipFill>
+        <p:spPr>
+          <a:xfrm>
+            <a:off x="6934418" y="2538113"/>
+            <a:ext cx="2123136" cy="529411"/>
+          </a:xfrm>
+          <a:prstGeom prst="rect">
+            <a:avLst/>
+          </a:prstGeom>
+        </p:spPr>
+      </p:pic>
+      <p:pic>
+        <p:nvPicPr>
+          <p:cNvPr id="18" name="Picture 17">
+            <a:hlinkClick r:id="rId3"/>
+            <a:extLst>
+              <a:ext uri="{FF2B5EF4-FFF2-40B4-BE49-F238E27FC236}">
+                <a16:creationId xmlns:a16="http://schemas.microsoft.com/office/drawing/2014/main" id="{5AC70220-7037-4082-BB2D-BF1E99F91E0D}"/>
+              </a:ext>
+            </a:extLst>
+          </p:cNvPr>
+          <p:cNvPicPr>
+            <a:picLocks noChangeAspect="1"/>
+          </p:cNvPicPr>
+          <p:nvPr/>
+        </p:nvPicPr>
+        <p:blipFill>
+          <a:blip r:embed="rId9" cstate="print">
+            <a:extLst>
+              <a:ext uri="{28A0092B-C50C-407E-A947-70E740481C1C}">
+                <a14:useLocalDpi xmlns:a14="http://schemas.microsoft.com/office/drawing/2010/main" val="0"/>
+              </a:ext>
+            </a:extLst>
+          </a:blip>
+          <a:stretch>
+            <a:fillRect/>
+          </a:stretch>
+        </p:blipFill>
+        <p:spPr>
+          <a:xfrm>
+            <a:off x="8623386" y="2057401"/>
+            <a:ext cx="3367743" cy="4482957"/>
+          </a:xfrm>
+          <a:prstGeom prst="rect">
+            <a:avLst/>
+          </a:prstGeom>
+        </p:spPr>
+      </p:pic>
+      <p:pic>
+        <p:nvPicPr>
+          <p:cNvPr id="11" name="Picture 4">
+            <a:hlinkClick r:id="rId10" tooltip="Software University @ Facebook"/>
+            <a:extLst>
+              <a:ext uri="{FF2B5EF4-FFF2-40B4-BE49-F238E27FC236}">
+                <a16:creationId xmlns:a16="http://schemas.microsoft.com/office/drawing/2014/main" id="{7DE74804-3B64-4B79-BDD0-3E400F9EC1FD}"/>
+              </a:ext>
+            </a:extLst>
+          </p:cNvPr>
+          <p:cNvPicPr>
+            <a:picLocks noChangeAspect="1" noChangeArrowheads="1"/>
+          </p:cNvPicPr>
+          <p:nvPr/>
+        </p:nvPicPr>
+        <p:blipFill>
+          <a:blip r:embed="rId11" cstate="print">
+            <a:extLst>
+              <a:ext uri="{28A0092B-C50C-407E-A947-70E740481C1C}">
+                <a14:useLocalDpi xmlns:a14="http://schemas.microsoft.com/office/drawing/2010/main" val="0"/>
+              </a:ext>
+            </a:extLst>
+          </a:blip>
+          <a:stretch>
+            <a:fillRect/>
+          </a:stretch>
+        </p:blipFill>
+        <p:spPr bwMode="auto">
+          <a:xfrm>
+            <a:off x="6934419" y="3654372"/>
+            <a:ext cx="1118740" cy="1118449"/>
+          </a:xfrm>
+          <a:prstGeom prst="rect">
+            <a:avLst/>
+          </a:prstGeom>
+          <a:noFill/>
+          <a:extLst>
+            <a:ext uri="{909E8E84-426E-40DD-AFC4-6F175D3DCCD1}">
+              <a14:hiddenFill xmlns:a14="http://schemas.microsoft.com/office/drawing/2010/main">
+                <a:solidFill>
+                  <a:srgbClr val="FFFFFF"/>
+                </a:solidFill>
+              </a14:hiddenFill>
+            </a:ext>
+          </a:extLst>
+        </p:spPr>
+      </p:pic>
+      <p:pic>
+        <p:nvPicPr>
+          <p:cNvPr id="13" name="Picture 12">
+            <a:hlinkClick r:id="rId6" tooltip="Software University Discussion Forum"/>
+            <a:extLst>
+              <a:ext uri="{FF2B5EF4-FFF2-40B4-BE49-F238E27FC236}">
+                <a16:creationId xmlns:a16="http://schemas.microsoft.com/office/drawing/2014/main" id="{E65F0011-8B8E-4A02-A422-9662ADE13CB5}"/>
+              </a:ext>
+            </a:extLst>
+          </p:cNvPr>
+          <p:cNvPicPr>
+            <a:picLocks noChangeAspect="1"/>
+          </p:cNvPicPr>
+          <p:nvPr/>
+        </p:nvPicPr>
+        <p:blipFill>
+          <a:blip r:embed="rId12" cstate="print">
+            <a:extLst>
+              <a:ext uri="{28A0092B-C50C-407E-A947-70E740481C1C}">
+                <a14:useLocalDpi xmlns:a14="http://schemas.microsoft.com/office/drawing/2010/main" val="0"/>
+              </a:ext>
+            </a:extLst>
+          </a:blip>
+          <a:stretch>
+            <a:fillRect/>
+          </a:stretch>
+        </p:blipFill>
+        <p:spPr>
+          <a:xfrm>
+            <a:off x="6934418" y="5359668"/>
+            <a:ext cx="1042233" cy="1041962"/>
+          </a:xfrm>
+          <a:prstGeom prst="rect">
+            <a:avLst/>
+          </a:prstGeom>
+        </p:spPr>
+      </p:pic>
+    </p:spTree>
+    <p:extLst>
+      <p:ext uri="{BB962C8B-B14F-4D97-AF65-F5344CB8AC3E}">
+        <p14:creationId xmlns:p14="http://schemas.microsoft.com/office/powerpoint/2010/main" val="3466978267"/>
+      </p:ext>
+    </p:extLst>
+  </p:cSld>
+  <p:clrMapOvr>
+    <a:masterClrMapping/>
+  </p:clrMapOvr>
+  <mc:AlternateContent xmlns:mc="http://schemas.openxmlformats.org/markup-compatibility/2006" xmlns:p14="http://schemas.microsoft.com/office/powerpoint/2010/main">
+    <mc:Choice Requires="p14">
+      <p:transition spd="slow" p14:dur="2000" advClick="0" advTm="5000"/>
+    </mc:Choice>
+    <mc:Fallback xmlns="">
+      <p:transition spd="slow" advClick="0" advTm="5000"/>
+    </mc:Fallback>
+  </mc:AlternateContent>
+</p:sld>
+</file>
+
+<file path=ppt/slides/slide23.xml><?xml version="1.0" encoding="utf-8"?>
+<p:sld xmlns:a="http://schemas.openxmlformats.org/drawingml/2006/main" xmlns:r="http://schemas.openxmlformats.org/officeDocument/2006/relationships" xmlns:p="http://schemas.openxmlformats.org/presentationml/2006/main">
+  <p:cSld>
+    <p:spTree>
+      <p:nvGrpSpPr>
+        <p:cNvPr id="1" name=""/>
+        <p:cNvGrpSpPr/>
+        <p:nvPr/>
+      </p:nvGrpSpPr>
+      <p:grpSpPr>
+        <a:xfrm>
+          <a:off x="0" y="0"/>
+          <a:ext cx="0" cy="0"/>
+          <a:chOff x="0" y="0"/>
+          <a:chExt cx="0" cy="0"/>
+        </a:xfrm>
+      </p:grpSpPr>
+      <p:sp>
+        <p:nvSpPr>
           <p:cNvPr id="3" name="Content Placeholder 2"/>
           <p:cNvSpPr>
             <a:spLocks noGrp="1"/>
@@ -16383,7 +16776,7 @@
             <a:fld id="{C014DD1E-5D91-48A3-AD6D-45FBA980D106}" type="slidenum">
               <a:rPr lang="en-US" smtClean="0"/>
               <a:pPr/>
-              <a:t>22</a:t>
+              <a:t>23</a:t>
             </a:fld>
             <a:endParaRPr lang="en-US" dirty="0"/>
           </a:p>
@@ -16663,8 +17056,8 @@
         </p:blipFill>
         <p:spPr>
           <a:xfrm>
-            <a:off x="5455779" y="4535836"/>
-            <a:ext cx="5668835" cy="863602"/>
+            <a:off x="5455947" y="4535549"/>
+            <a:ext cx="5667359" cy="863377"/>
           </a:xfrm>
           <a:prstGeom prst="roundRect">
             <a:avLst/>
@@ -16705,8 +17098,8 @@
         </p:blipFill>
         <p:spPr bwMode="auto">
           <a:xfrm>
-            <a:off x="1067387" y="4535836"/>
-            <a:ext cx="3962146" cy="863602"/>
+            <a:off x="1068697" y="4535549"/>
+            <a:ext cx="3961114" cy="863377"/>
           </a:xfrm>
           <a:prstGeom prst="roundRect">
             <a:avLst/>
@@ -16745,8 +17138,8 @@
         </p:blipFill>
         <p:spPr bwMode="auto">
           <a:xfrm>
-            <a:off x="5330775" y="2474775"/>
-            <a:ext cx="5793839" cy="863602"/>
+            <a:off x="5330975" y="2475025"/>
+            <a:ext cx="5792330" cy="863377"/>
           </a:xfrm>
           <a:prstGeom prst="roundRect">
             <a:avLst/>
@@ -16785,8 +17178,8 @@
         </p:blipFill>
         <p:spPr bwMode="auto">
           <a:xfrm>
-            <a:off x="1067388" y="2474775"/>
-            <a:ext cx="3858379" cy="863602"/>
+            <a:off x="1068698" y="2475025"/>
+            <a:ext cx="3857374" cy="863377"/>
           </a:xfrm>
           <a:prstGeom prst="roundRect">
             <a:avLst/>
@@ -16825,8 +17218,8 @@
         </p:blipFill>
         <p:spPr>
           <a:xfrm>
-            <a:off x="8676437" y="1444245"/>
-            <a:ext cx="2448176" cy="863602"/>
+            <a:off x="8675765" y="1444763"/>
+            <a:ext cx="2447538" cy="863377"/>
           </a:xfrm>
           <a:prstGeom prst="roundRect">
             <a:avLst/>
@@ -16865,8 +17258,8 @@
         </p:blipFill>
         <p:spPr>
           <a:xfrm>
-            <a:off x="1067387" y="1444245"/>
-            <a:ext cx="4185792" cy="863602"/>
+            <a:off x="1068697" y="1444763"/>
+            <a:ext cx="4184702" cy="863377"/>
           </a:xfrm>
           <a:prstGeom prst="roundRect">
             <a:avLst/>
@@ -16900,13 +17293,13 @@
               </a:ext>
             </a:extLst>
           </a:blip>
-          <a:srcRect l="-3822" t="6534" r="-689" b="14898"/>
+          <a:srcRect l="-3822" r="-689"/>
           <a:stretch/>
         </p:blipFill>
         <p:spPr>
           <a:xfrm>
-            <a:off x="5607950" y="1444245"/>
-            <a:ext cx="2713717" cy="863602"/>
+            <a:off x="5608078" y="1444763"/>
+            <a:ext cx="2713010" cy="863377"/>
           </a:xfrm>
           <a:prstGeom prst="roundRect">
             <a:avLst/>
@@ -16945,8 +17338,8 @@
         </p:blipFill>
         <p:spPr>
           <a:xfrm>
-            <a:off x="5971872" y="3505306"/>
-            <a:ext cx="2519658" cy="863602"/>
+            <a:off x="6237304" y="3505287"/>
+            <a:ext cx="2519002" cy="863377"/>
           </a:xfrm>
           <a:prstGeom prst="roundRect">
             <a:avLst/>
@@ -16964,29 +17357,29 @@
       </p:pic>
       <p:pic>
         <p:nvPicPr>
-          <p:cNvPr id="31" name="SuperHosting" descr="Ð ÐµÐ·ÑÐ»ÑÐ°Ñ Ñ Ð¸Ð·Ð¾Ð±ÑÐ°Ð¶ÐµÐ½Ð¸Ðµ Ð·Ð° superhosting png">
+          <p:cNvPr id="37" name="SmartIT">
             <a:hlinkClick r:id="rId19"/>
           </p:cNvPr>
           <p:cNvPicPr>
-            <a:picLocks noChangeAspect="1" noChangeArrowheads="1"/>
+            <a:picLocks noChangeAspect="1"/>
           </p:cNvPicPr>
           <p:nvPr/>
         </p:nvPicPr>
         <p:blipFill rotWithShape="1">
-          <a:blip r:embed="rId20" cstate="hqprint">
+          <a:blip r:embed="rId20" cstate="print">
             <a:extLst>
               <a:ext uri="{28A0092B-C50C-407E-A947-70E740481C1C}">
                 <a14:useLocalDpi xmlns:a14="http://schemas.microsoft.com/office/drawing/2010/main" val="0"/>
               </a:ext>
             </a:extLst>
           </a:blip>
-          <a:srcRect l="-34663" t="-10753" r="-34663" b="-10753"/>
+          <a:srcRect l="-14503" t="-16504" r="-14503" b="-16504"/>
           <a:stretch/>
         </p:blipFill>
-        <p:spPr bwMode="auto">
-          <a:xfrm>
-            <a:off x="8854361" y="3505306"/>
-            <a:ext cx="2270253" cy="863602"/>
+        <p:spPr>
+          <a:xfrm>
+            <a:off x="1068698" y="3505287"/>
+            <a:ext cx="4540472" cy="863377"/>
           </a:xfrm>
           <a:prstGeom prst="roundRect">
             <a:avLst/>
@@ -17004,7 +17397,7 @@
       </p:pic>
       <p:pic>
         <p:nvPicPr>
-          <p:cNvPr id="37" name="SmartIT">
+          <p:cNvPr id="28" name="Codexio">
             <a:hlinkClick r:id="rId21"/>
           </p:cNvPr>
           <p:cNvPicPr>
@@ -17020,13 +17413,13 @@
               </a:ext>
             </a:extLst>
           </a:blip>
-          <a:srcRect l="-14503" t="-16504" r="-14503" b="-16504"/>
+          <a:srcRect l="-28589" t="-22282" r="-30138" b="-23831"/>
           <a:stretch/>
         </p:blipFill>
         <p:spPr>
           <a:xfrm>
-            <a:off x="1067388" y="3505306"/>
-            <a:ext cx="4541655" cy="863602"/>
+            <a:off x="9374658" y="3505287"/>
+            <a:ext cx="1748647" cy="863377"/>
           </a:xfrm>
           <a:prstGeom prst="roundRect">
             <a:avLst/>
@@ -17044,8 +17437,13 @@
       </p:pic>
       <p:pic>
         <p:nvPicPr>
-          <p:cNvPr id="28" name="Codexio">
+          <p:cNvPr id="16" name="Infragistics">
             <a:hlinkClick r:id="rId23"/>
+            <a:extLst>
+              <a:ext uri="{FF2B5EF4-FFF2-40B4-BE49-F238E27FC236}">
+                <a16:creationId xmlns:a16="http://schemas.microsoft.com/office/drawing/2014/main" id="{0FDF11E6-F5ED-4FB2-96CD-9D306D28A0DB}"/>
+              </a:ext>
+            </a:extLst>
           </p:cNvPr>
           <p:cNvPicPr>
             <a:picLocks noChangeAspect="1"/>
@@ -17060,51 +17458,6 @@
               </a:ext>
             </a:extLst>
           </a:blip>
-          <a:srcRect l="-28589" t="-22282" r="-30138" b="-23831"/>
-          <a:stretch/>
-        </p:blipFill>
-        <p:spPr>
-          <a:xfrm>
-            <a:off x="6704827" y="5566366"/>
-            <a:ext cx="1749102" cy="863602"/>
-          </a:xfrm>
-          <a:prstGeom prst="roundRect">
-            <a:avLst/>
-          </a:prstGeom>
-          <a:solidFill>
-            <a:schemeClr val="bg2"/>
-          </a:solidFill>
-          <a:ln>
-            <a:solidFill>
-              <a:schemeClr val="tx1"/>
-            </a:solidFill>
-          </a:ln>
-          <a:effectLst/>
-        </p:spPr>
-      </p:pic>
-      <p:pic>
-        <p:nvPicPr>
-          <p:cNvPr id="16" name="Infragistics">
-            <a:hlinkClick r:id="rId25"/>
-            <a:extLst>
-              <a:ext uri="{FF2B5EF4-FFF2-40B4-BE49-F238E27FC236}">
-                <a16:creationId xmlns:a16="http://schemas.microsoft.com/office/drawing/2014/main" id="{0FDF11E6-F5ED-4FB2-96CD-9D306D28A0DB}"/>
-              </a:ext>
-            </a:extLst>
-          </p:cNvPr>
-          <p:cNvPicPr>
-            <a:picLocks noChangeAspect="1"/>
-          </p:cNvPicPr>
-          <p:nvPr/>
-        </p:nvPicPr>
-        <p:blipFill rotWithShape="1">
-          <a:blip r:embed="rId26">
-            <a:extLst>
-              <a:ext uri="{28A0092B-C50C-407E-A947-70E740481C1C}">
-                <a14:useLocalDpi xmlns:a14="http://schemas.microsoft.com/office/drawing/2010/main" val="0"/>
-              </a:ext>
-            </a:extLst>
-          </a:blip>
           <a:srcRect l="-4204" r="-4204"/>
           <a:stretch>
             <a:fillRect/>
@@ -17112,8 +17465,8 @@
         </p:blipFill>
         <p:spPr>
           <a:xfrm>
-            <a:off x="3489814" y="5566366"/>
-            <a:ext cx="2873794" cy="863602"/>
+            <a:off x="1111709" y="5565810"/>
+            <a:ext cx="2873046" cy="863377"/>
           </a:xfrm>
           <a:prstGeom prst="roundRect">
             <a:avLst/>
@@ -17131,10 +17484,47 @@
           </a:effectLst>
         </p:spPr>
       </p:pic>
+      <p:pic>
+        <p:nvPicPr>
+          <p:cNvPr id="18" name="Picture 17">
+            <a:hlinkClick r:id="rId25"/>
+          </p:cNvPr>
+          <p:cNvPicPr>
+            <a:picLocks noChangeAspect="1"/>
+          </p:cNvPicPr>
+          <p:nvPr/>
+        </p:nvPicPr>
+        <p:blipFill>
+          <a:blip r:embed="rId26"/>
+          <a:stretch>
+            <a:fillRect/>
+          </a:stretch>
+        </p:blipFill>
+        <p:spPr>
+          <a:xfrm>
+            <a:off x="4684605" y="5654895"/>
+            <a:ext cx="6474561" cy="774293"/>
+          </a:xfrm>
+          <a:prstGeom prst="roundRect">
+            <a:avLst/>
+          </a:prstGeom>
+          <a:solidFill>
+            <a:schemeClr val="bg2"/>
+          </a:solidFill>
+          <a:ln>
+            <a:solidFill>
+              <a:schemeClr val="tx1"/>
+            </a:solidFill>
+          </a:ln>
+          <a:effectLst>
+            <a:softEdge rad="0"/>
+          </a:effectLst>
+        </p:spPr>
+      </p:pic>
     </p:spTree>
     <p:extLst>
       <p:ext uri="{BB962C8B-B14F-4D97-AF65-F5344CB8AC3E}">
-        <p14:creationId xmlns:p14="http://schemas.microsoft.com/office/powerpoint/2010/main" val="1114892276"/>
+        <p14:creationId xmlns:p14="http://schemas.microsoft.com/office/powerpoint/2010/main" val="4272259450"/>
       </p:ext>
     </p:extLst>
   </p:cSld>
@@ -17208,24 +17598,22 @@
         </p:nvGrpSpPr>
         <p:grpSpPr>
           <a:xfrm>
-            <a:off x="1981200" y="1710324"/>
-            <a:ext cx="8229600" cy="4151278"/>
+            <a:off x="1982273" y="1710773"/>
+            <a:ext cx="8227457" cy="4150197"/>
             <a:chOff x="1492446" y="2067924"/>
             <a:chExt cx="6811766" cy="3436077"/>
           </a:xfrm>
         </p:grpSpPr>
         <p:pic>
           <p:nvPicPr>
-            <p:cNvPr id="2" name="Picture 1">
-              <a:hlinkClick r:id="rId3"/>
-            </p:cNvPr>
+            <p:cNvPr id="2" name="Picture 1"/>
             <p:cNvPicPr>
               <a:picLocks noChangeAspect="1"/>
             </p:cNvPicPr>
             <p:nvPr/>
           </p:nvPicPr>
           <p:blipFill rotWithShape="1">
-            <a:blip r:embed="rId4" cstate="print">
+            <a:blip r:embed="rId3" cstate="print">
               <a:extLst>
                 <a:ext uri="{28A0092B-C50C-407E-A947-70E740481C1C}">
                   <a14:useLocalDpi xmlns:a14="http://schemas.microsoft.com/office/drawing/2010/main" val="0"/>
@@ -17259,7 +17647,7 @@
         <p:pic>
           <p:nvPicPr>
             <p:cNvPr id="4" name="Picture 3">
-              <a:hlinkClick r:id="rId5"/>
+              <a:hlinkClick r:id="rId4"/>
             </p:cNvPr>
             <p:cNvPicPr>
               <a:picLocks noChangeAspect="1"/>
@@ -17267,7 +17655,7 @@
             <p:nvPr/>
           </p:nvPicPr>
           <p:blipFill rotWithShape="1">
-            <a:blip r:embed="rId6" cstate="print">
+            <a:blip r:embed="rId5" cstate="print">
               <a:extLst>
                 <a:ext uri="{28A0092B-C50C-407E-A947-70E740481C1C}">
                   <a14:useLocalDpi xmlns:a14="http://schemas.microsoft.com/office/drawing/2010/main" val="0"/>
@@ -17301,7 +17689,7 @@
         <p:pic>
           <p:nvPicPr>
             <p:cNvPr id="5" name="Picture 4">
-              <a:hlinkClick r:id="rId7"/>
+              <a:hlinkClick r:id="rId6"/>
             </p:cNvPr>
             <p:cNvPicPr>
               <a:picLocks noChangeAspect="1"/>
@@ -17309,7 +17697,7 @@
             <p:nvPr/>
           </p:nvPicPr>
           <p:blipFill rotWithShape="1">
-            <a:blip r:embed="rId8" cstate="print">
+            <a:blip r:embed="rId7" cstate="print">
               <a:extLst>
                 <a:ext uri="{28A0092B-C50C-407E-A947-70E740481C1C}">
                   <a14:useLocalDpi xmlns:a14="http://schemas.microsoft.com/office/drawing/2010/main" val="0"/>
@@ -17343,7 +17731,7 @@
         <p:pic>
           <p:nvPicPr>
             <p:cNvPr id="6" name="Picture 5">
-              <a:hlinkClick r:id="rId9"/>
+              <a:hlinkClick r:id="rId8"/>
             </p:cNvPr>
             <p:cNvPicPr>
               <a:picLocks noChangeAspect="1"/>
@@ -17351,7 +17739,7 @@
             <p:nvPr/>
           </p:nvPicPr>
           <p:blipFill rotWithShape="1">
-            <a:blip r:embed="rId10" cstate="print">
+            <a:blip r:embed="rId9" cstate="print">
               <a:extLst>
                 <a:ext uri="{28A0092B-C50C-407E-A947-70E740481C1C}">
                   <a14:useLocalDpi xmlns:a14="http://schemas.microsoft.com/office/drawing/2010/main" val="0"/>
@@ -17386,7 +17774,7 @@
     </p:spTree>
     <p:extLst>
       <p:ext uri="{BB962C8B-B14F-4D97-AF65-F5344CB8AC3E}">
-        <p14:creationId xmlns:p14="http://schemas.microsoft.com/office/powerpoint/2010/main" val="3647064705"/>
+        <p14:creationId xmlns:p14="http://schemas.microsoft.com/office/powerpoint/2010/main" val="3074710662"/>
       </p:ext>
     </p:extLst>
   </p:cSld>
